--- a/final 서론 발표자료.pptx
+++ b/final 서론 발표자료.pptx
@@ -17,6 +17,11 @@
     <p:sldId id="265" r:id="rId11"/>
     <p:sldId id="266" r:id="rId12"/>
     <p:sldId id="267" r:id="rId13"/>
+    <p:sldId id="269" r:id="rId14"/>
+    <p:sldId id="270" r:id="rId15"/>
+    <p:sldId id="268" r:id="rId16"/>
+    <p:sldId id="271" r:id="rId17"/>
+    <p:sldId id="272" r:id="rId18"/>
   </p:sldIdLst>
   <p:sldSz cx="12192000" cy="6858000"/>
   <p:notesSz cx="6858000" cy="9144000"/>
@@ -123,7 +128,7 @@
             <a:srgbClr val="A4A3A4"/>
           </p15:clr>
         </p15:guide>
-        <p15:guide id="2" pos="3840" userDrawn="1">
+        <p15:guide id="2" pos="3863" userDrawn="1">
           <p15:clr>
             <a:srgbClr val="A4A3A4"/>
           </p15:clr>
@@ -281,7 +286,7 @@
           <a:p>
             <a:fld id="{0AE227AE-371D-4CFA-BC55-75CAFECA3E96}" type="datetimeFigureOut">
               <a:rPr lang="ko-KR" altLang="en-US" smtClean="0"/>
-              <a:t>2023-08-02</a:t>
+              <a:t>2023-08-16</a:t>
             </a:fld>
             <a:endParaRPr lang="ko-KR" altLang="en-US"/>
           </a:p>
@@ -479,7 +484,7 @@
           <a:p>
             <a:fld id="{0AE227AE-371D-4CFA-BC55-75CAFECA3E96}" type="datetimeFigureOut">
               <a:rPr lang="ko-KR" altLang="en-US" smtClean="0"/>
-              <a:t>2023-08-02</a:t>
+              <a:t>2023-08-16</a:t>
             </a:fld>
             <a:endParaRPr lang="ko-KR" altLang="en-US"/>
           </a:p>
@@ -687,7 +692,7 @@
           <a:p>
             <a:fld id="{0AE227AE-371D-4CFA-BC55-75CAFECA3E96}" type="datetimeFigureOut">
               <a:rPr lang="ko-KR" altLang="en-US" smtClean="0"/>
-              <a:t>2023-08-02</a:t>
+              <a:t>2023-08-16</a:t>
             </a:fld>
             <a:endParaRPr lang="ko-KR" altLang="en-US"/>
           </a:p>
@@ -885,7 +890,7 @@
           <a:p>
             <a:fld id="{0AE227AE-371D-4CFA-BC55-75CAFECA3E96}" type="datetimeFigureOut">
               <a:rPr lang="ko-KR" altLang="en-US" smtClean="0"/>
-              <a:t>2023-08-02</a:t>
+              <a:t>2023-08-16</a:t>
             </a:fld>
             <a:endParaRPr lang="ko-KR" altLang="en-US"/>
           </a:p>
@@ -1160,7 +1165,7 @@
           <a:p>
             <a:fld id="{0AE227AE-371D-4CFA-BC55-75CAFECA3E96}" type="datetimeFigureOut">
               <a:rPr lang="ko-KR" altLang="en-US" smtClean="0"/>
-              <a:t>2023-08-02</a:t>
+              <a:t>2023-08-16</a:t>
             </a:fld>
             <a:endParaRPr lang="ko-KR" altLang="en-US"/>
           </a:p>
@@ -1425,7 +1430,7 @@
           <a:p>
             <a:fld id="{0AE227AE-371D-4CFA-BC55-75CAFECA3E96}" type="datetimeFigureOut">
               <a:rPr lang="ko-KR" altLang="en-US" smtClean="0"/>
-              <a:t>2023-08-02</a:t>
+              <a:t>2023-08-16</a:t>
             </a:fld>
             <a:endParaRPr lang="ko-KR" altLang="en-US"/>
           </a:p>
@@ -1837,7 +1842,7 @@
           <a:p>
             <a:fld id="{0AE227AE-371D-4CFA-BC55-75CAFECA3E96}" type="datetimeFigureOut">
               <a:rPr lang="ko-KR" altLang="en-US" smtClean="0"/>
-              <a:t>2023-08-02</a:t>
+              <a:t>2023-08-16</a:t>
             </a:fld>
             <a:endParaRPr lang="ko-KR" altLang="en-US"/>
           </a:p>
@@ -1978,7 +1983,7 @@
           <a:p>
             <a:fld id="{0AE227AE-371D-4CFA-BC55-75CAFECA3E96}" type="datetimeFigureOut">
               <a:rPr lang="ko-KR" altLang="en-US" smtClean="0"/>
-              <a:t>2023-08-02</a:t>
+              <a:t>2023-08-16</a:t>
             </a:fld>
             <a:endParaRPr lang="ko-KR" altLang="en-US"/>
           </a:p>
@@ -2091,7 +2096,7 @@
           <a:p>
             <a:fld id="{0AE227AE-371D-4CFA-BC55-75CAFECA3E96}" type="datetimeFigureOut">
               <a:rPr lang="ko-KR" altLang="en-US" smtClean="0"/>
-              <a:t>2023-08-02</a:t>
+              <a:t>2023-08-16</a:t>
             </a:fld>
             <a:endParaRPr lang="ko-KR" altLang="en-US"/>
           </a:p>
@@ -2402,7 +2407,7 @@
           <a:p>
             <a:fld id="{0AE227AE-371D-4CFA-BC55-75CAFECA3E96}" type="datetimeFigureOut">
               <a:rPr lang="ko-KR" altLang="en-US" smtClean="0"/>
-              <a:t>2023-08-02</a:t>
+              <a:t>2023-08-16</a:t>
             </a:fld>
             <a:endParaRPr lang="ko-KR" altLang="en-US"/>
           </a:p>
@@ -2690,7 +2695,7 @@
           <a:p>
             <a:fld id="{0AE227AE-371D-4CFA-BC55-75CAFECA3E96}" type="datetimeFigureOut">
               <a:rPr lang="ko-KR" altLang="en-US" smtClean="0"/>
-              <a:t>2023-08-02</a:t>
+              <a:t>2023-08-16</a:t>
             </a:fld>
             <a:endParaRPr lang="ko-KR" altLang="en-US"/>
           </a:p>
@@ -2931,7 +2936,7 @@
           <a:p>
             <a:fld id="{0AE227AE-371D-4CFA-BC55-75CAFECA3E96}" type="datetimeFigureOut">
               <a:rPr lang="ko-KR" altLang="en-US" smtClean="0"/>
-              <a:t>2023-08-02</a:t>
+              <a:t>2023-08-16</a:t>
             </a:fld>
             <a:endParaRPr lang="ko-KR" altLang="en-US"/>
           </a:p>
@@ -6684,6 +6689,426 @@
     <p:extLst>
       <p:ext uri="{BB962C8B-B14F-4D97-AF65-F5344CB8AC3E}">
         <p14:creationId xmlns:p14="http://schemas.microsoft.com/office/powerpoint/2010/main" val="1987767910"/>
+      </p:ext>
+    </p:extLst>
+  </p:cSld>
+  <p:clrMapOvr>
+    <a:masterClrMapping/>
+  </p:clrMapOvr>
+</p:sld>
+</file>
+
+<file path=ppt/slides/slide13.xml><?xml version="1.0" encoding="utf-8"?>
+<p:sld xmlns:a="http://schemas.openxmlformats.org/drawingml/2006/main" xmlns:r="http://schemas.openxmlformats.org/officeDocument/2006/relationships" xmlns:p="http://schemas.openxmlformats.org/presentationml/2006/main">
+  <p:cSld>
+    <p:spTree>
+      <p:nvGrpSpPr>
+        <p:cNvPr id="1" name=""/>
+        <p:cNvGrpSpPr/>
+        <p:nvPr/>
+      </p:nvGrpSpPr>
+      <p:grpSpPr>
+        <a:xfrm>
+          <a:off x="0" y="0"/>
+          <a:ext cx="0" cy="0"/>
+          <a:chOff x="0" y="0"/>
+          <a:chExt cx="0" cy="0"/>
+        </a:xfrm>
+      </p:grpSpPr>
+      <p:pic>
+        <p:nvPicPr>
+          <p:cNvPr id="5" name="그림 4">
+            <a:extLst>
+              <a:ext uri="{FF2B5EF4-FFF2-40B4-BE49-F238E27FC236}">
+                <a16:creationId xmlns:a16="http://schemas.microsoft.com/office/drawing/2014/main" id="{02062150-0120-2CF4-2CA0-B47349E80C92}"/>
+              </a:ext>
+            </a:extLst>
+          </p:cNvPr>
+          <p:cNvPicPr>
+            <a:picLocks noChangeAspect="1"/>
+          </p:cNvPicPr>
+          <p:nvPr/>
+        </p:nvPicPr>
+        <p:blipFill>
+          <a:blip r:embed="rId2"/>
+          <a:stretch>
+            <a:fillRect/>
+          </a:stretch>
+        </p:blipFill>
+        <p:spPr>
+          <a:xfrm>
+            <a:off x="0" y="0"/>
+            <a:ext cx="12192000" cy="3964517"/>
+          </a:xfrm>
+          <a:prstGeom prst="rect">
+            <a:avLst/>
+          </a:prstGeom>
+        </p:spPr>
+      </p:pic>
+      <p:pic>
+        <p:nvPicPr>
+          <p:cNvPr id="4" name="그림 3">
+            <a:extLst>
+              <a:ext uri="{FF2B5EF4-FFF2-40B4-BE49-F238E27FC236}">
+                <a16:creationId xmlns:a16="http://schemas.microsoft.com/office/drawing/2014/main" id="{B455719A-C037-5720-84F2-C005E0129D73}"/>
+              </a:ext>
+            </a:extLst>
+          </p:cNvPr>
+          <p:cNvPicPr>
+            <a:picLocks noChangeAspect="1"/>
+          </p:cNvPicPr>
+          <p:nvPr/>
+        </p:nvPicPr>
+        <p:blipFill>
+          <a:blip r:embed="rId3"/>
+          <a:stretch>
+            <a:fillRect/>
+          </a:stretch>
+        </p:blipFill>
+        <p:spPr>
+          <a:xfrm>
+            <a:off x="0" y="4175839"/>
+            <a:ext cx="12192000" cy="3972402"/>
+          </a:xfrm>
+          <a:prstGeom prst="rect">
+            <a:avLst/>
+          </a:prstGeom>
+        </p:spPr>
+      </p:pic>
+    </p:spTree>
+    <p:extLst>
+      <p:ext uri="{BB962C8B-B14F-4D97-AF65-F5344CB8AC3E}">
+        <p14:creationId xmlns:p14="http://schemas.microsoft.com/office/powerpoint/2010/main" val="2917100237"/>
+      </p:ext>
+    </p:extLst>
+  </p:cSld>
+  <p:clrMapOvr>
+    <a:masterClrMapping/>
+  </p:clrMapOvr>
+</p:sld>
+</file>
+
+<file path=ppt/slides/slide14.xml><?xml version="1.0" encoding="utf-8"?>
+<p:sld xmlns:a="http://schemas.openxmlformats.org/drawingml/2006/main" xmlns:r="http://schemas.openxmlformats.org/officeDocument/2006/relationships" xmlns:p="http://schemas.openxmlformats.org/presentationml/2006/main">
+  <p:cSld>
+    <p:spTree>
+      <p:nvGrpSpPr>
+        <p:cNvPr id="1" name=""/>
+        <p:cNvGrpSpPr/>
+        <p:nvPr/>
+      </p:nvGrpSpPr>
+      <p:grpSpPr>
+        <a:xfrm>
+          <a:off x="0" y="0"/>
+          <a:ext cx="0" cy="0"/>
+          <a:chOff x="0" y="0"/>
+          <a:chExt cx="0" cy="0"/>
+        </a:xfrm>
+      </p:grpSpPr>
+      <p:pic>
+        <p:nvPicPr>
+          <p:cNvPr id="3" name="그림 2">
+            <a:extLst>
+              <a:ext uri="{FF2B5EF4-FFF2-40B4-BE49-F238E27FC236}">
+                <a16:creationId xmlns:a16="http://schemas.microsoft.com/office/drawing/2014/main" id="{F9619F06-8AC4-A0C2-6FB2-64671077EC15}"/>
+              </a:ext>
+            </a:extLst>
+          </p:cNvPr>
+          <p:cNvPicPr>
+            <a:picLocks noChangeAspect="1"/>
+          </p:cNvPicPr>
+          <p:nvPr/>
+        </p:nvPicPr>
+        <p:blipFill>
+          <a:blip r:embed="rId2"/>
+          <a:stretch>
+            <a:fillRect/>
+          </a:stretch>
+        </p:blipFill>
+        <p:spPr>
+          <a:xfrm>
+            <a:off x="0" y="0"/>
+            <a:ext cx="8253320" cy="6858000"/>
+          </a:xfrm>
+          <a:prstGeom prst="rect">
+            <a:avLst/>
+          </a:prstGeom>
+        </p:spPr>
+      </p:pic>
+      <p:pic>
+        <p:nvPicPr>
+          <p:cNvPr id="7" name="그림 6">
+            <a:extLst>
+              <a:ext uri="{FF2B5EF4-FFF2-40B4-BE49-F238E27FC236}">
+                <a16:creationId xmlns:a16="http://schemas.microsoft.com/office/drawing/2014/main" id="{B6E61EAE-2CB4-6DE0-B711-76B00C3FC1CE}"/>
+              </a:ext>
+            </a:extLst>
+          </p:cNvPr>
+          <p:cNvPicPr>
+            <a:picLocks noChangeAspect="1"/>
+          </p:cNvPicPr>
+          <p:nvPr/>
+        </p:nvPicPr>
+        <p:blipFill>
+          <a:blip r:embed="rId3"/>
+          <a:stretch>
+            <a:fillRect/>
+          </a:stretch>
+        </p:blipFill>
+        <p:spPr>
+          <a:xfrm>
+            <a:off x="8522540" y="0"/>
+            <a:ext cx="8253320" cy="6858000"/>
+          </a:xfrm>
+          <a:prstGeom prst="rect">
+            <a:avLst/>
+          </a:prstGeom>
+        </p:spPr>
+      </p:pic>
+      <p:pic>
+        <p:nvPicPr>
+          <p:cNvPr id="9" name="그림 8">
+            <a:extLst>
+              <a:ext uri="{FF2B5EF4-FFF2-40B4-BE49-F238E27FC236}">
+                <a16:creationId xmlns:a16="http://schemas.microsoft.com/office/drawing/2014/main" id="{17B089CC-908F-A9E0-3973-FC357A6170D8}"/>
+              </a:ext>
+            </a:extLst>
+          </p:cNvPr>
+          <p:cNvPicPr>
+            <a:picLocks noChangeAspect="1"/>
+          </p:cNvPicPr>
+          <p:nvPr/>
+        </p:nvPicPr>
+        <p:blipFill>
+          <a:blip r:embed="rId4"/>
+          <a:stretch>
+            <a:fillRect/>
+          </a:stretch>
+        </p:blipFill>
+        <p:spPr>
+          <a:xfrm>
+            <a:off x="8522540" y="544010"/>
+            <a:ext cx="8253320" cy="6858000"/>
+          </a:xfrm>
+          <a:prstGeom prst="rect">
+            <a:avLst/>
+          </a:prstGeom>
+        </p:spPr>
+      </p:pic>
+    </p:spTree>
+    <p:extLst>
+      <p:ext uri="{BB962C8B-B14F-4D97-AF65-F5344CB8AC3E}">
+        <p14:creationId xmlns:p14="http://schemas.microsoft.com/office/powerpoint/2010/main" val="4119356589"/>
+      </p:ext>
+    </p:extLst>
+  </p:cSld>
+  <p:clrMapOvr>
+    <a:masterClrMapping/>
+  </p:clrMapOvr>
+</p:sld>
+</file>
+
+<file path=ppt/slides/slide15.xml><?xml version="1.0" encoding="utf-8"?>
+<p:sld xmlns:a="http://schemas.openxmlformats.org/drawingml/2006/main" xmlns:r="http://schemas.openxmlformats.org/officeDocument/2006/relationships" xmlns:p="http://schemas.openxmlformats.org/presentationml/2006/main">
+  <p:cSld>
+    <p:spTree>
+      <p:nvGrpSpPr>
+        <p:cNvPr id="1" name=""/>
+        <p:cNvGrpSpPr/>
+        <p:nvPr/>
+      </p:nvGrpSpPr>
+      <p:grpSpPr>
+        <a:xfrm>
+          <a:off x="0" y="0"/>
+          <a:ext cx="0" cy="0"/>
+          <a:chOff x="0" y="0"/>
+          <a:chExt cx="0" cy="0"/>
+        </a:xfrm>
+      </p:grpSpPr>
+      <p:pic>
+        <p:nvPicPr>
+          <p:cNvPr id="3" name="그림 2">
+            <a:extLst>
+              <a:ext uri="{FF2B5EF4-FFF2-40B4-BE49-F238E27FC236}">
+                <a16:creationId xmlns:a16="http://schemas.microsoft.com/office/drawing/2014/main" id="{A3227E2D-AA00-D88D-9D07-DF299D074A57}"/>
+              </a:ext>
+            </a:extLst>
+          </p:cNvPr>
+          <p:cNvPicPr>
+            <a:picLocks noChangeAspect="1"/>
+          </p:cNvPicPr>
+          <p:nvPr/>
+        </p:nvPicPr>
+        <p:blipFill>
+          <a:blip r:embed="rId2"/>
+          <a:stretch>
+            <a:fillRect/>
+          </a:stretch>
+        </p:blipFill>
+        <p:spPr>
+          <a:xfrm>
+            <a:off x="0" y="-229590"/>
+            <a:ext cx="12192000" cy="4025339"/>
+          </a:xfrm>
+          <a:prstGeom prst="rect">
+            <a:avLst/>
+          </a:prstGeom>
+        </p:spPr>
+      </p:pic>
+      <p:pic>
+        <p:nvPicPr>
+          <p:cNvPr id="7" name="그림 6">
+            <a:extLst>
+              <a:ext uri="{FF2B5EF4-FFF2-40B4-BE49-F238E27FC236}">
+                <a16:creationId xmlns:a16="http://schemas.microsoft.com/office/drawing/2014/main" id="{0094867B-84E3-C98E-6A8F-48A3CBC067DF}"/>
+              </a:ext>
+            </a:extLst>
+          </p:cNvPr>
+          <p:cNvPicPr>
+            <a:picLocks noChangeAspect="1"/>
+          </p:cNvPicPr>
+          <p:nvPr/>
+        </p:nvPicPr>
+        <p:blipFill>
+          <a:blip r:embed="rId3"/>
+          <a:stretch>
+            <a:fillRect/>
+          </a:stretch>
+        </p:blipFill>
+        <p:spPr>
+          <a:xfrm>
+            <a:off x="0" y="3795749"/>
+            <a:ext cx="12192000" cy="3995582"/>
+          </a:xfrm>
+          <a:prstGeom prst="rect">
+            <a:avLst/>
+          </a:prstGeom>
+        </p:spPr>
+      </p:pic>
+    </p:spTree>
+    <p:extLst>
+      <p:ext uri="{BB962C8B-B14F-4D97-AF65-F5344CB8AC3E}">
+        <p14:creationId xmlns:p14="http://schemas.microsoft.com/office/powerpoint/2010/main" val="153152763"/>
+      </p:ext>
+    </p:extLst>
+  </p:cSld>
+  <p:clrMapOvr>
+    <a:masterClrMapping/>
+  </p:clrMapOvr>
+</p:sld>
+</file>
+
+<file path=ppt/slides/slide16.xml><?xml version="1.0" encoding="utf-8"?>
+<p:sld xmlns:a="http://schemas.openxmlformats.org/drawingml/2006/main" xmlns:r="http://schemas.openxmlformats.org/officeDocument/2006/relationships" xmlns:p="http://schemas.openxmlformats.org/presentationml/2006/main">
+  <p:cSld>
+    <p:spTree>
+      <p:nvGrpSpPr>
+        <p:cNvPr id="1" name=""/>
+        <p:cNvGrpSpPr/>
+        <p:nvPr/>
+      </p:nvGrpSpPr>
+      <p:grpSpPr>
+        <a:xfrm>
+          <a:off x="0" y="0"/>
+          <a:ext cx="0" cy="0"/>
+          <a:chOff x="0" y="0"/>
+          <a:chExt cx="0" cy="0"/>
+        </a:xfrm>
+      </p:grpSpPr>
+      <p:pic>
+        <p:nvPicPr>
+          <p:cNvPr id="9" name="그림 8">
+            <a:extLst>
+              <a:ext uri="{FF2B5EF4-FFF2-40B4-BE49-F238E27FC236}">
+                <a16:creationId xmlns:a16="http://schemas.microsoft.com/office/drawing/2014/main" id="{87CFF40C-ADA5-A588-72C4-02963B915337}"/>
+              </a:ext>
+            </a:extLst>
+          </p:cNvPr>
+          <p:cNvPicPr>
+            <a:picLocks noChangeAspect="1"/>
+          </p:cNvPicPr>
+          <p:nvPr/>
+        </p:nvPicPr>
+        <p:blipFill>
+          <a:blip r:embed="rId2"/>
+          <a:stretch>
+            <a:fillRect/>
+          </a:stretch>
+        </p:blipFill>
+        <p:spPr>
+          <a:xfrm>
+            <a:off x="9596069" y="549272"/>
+            <a:ext cx="3787468" cy="990686"/>
+          </a:xfrm>
+          <a:prstGeom prst="rect">
+            <a:avLst/>
+          </a:prstGeom>
+        </p:spPr>
+      </p:pic>
+      <p:pic>
+        <p:nvPicPr>
+          <p:cNvPr id="11" name="그림 10">
+            <a:extLst>
+              <a:ext uri="{FF2B5EF4-FFF2-40B4-BE49-F238E27FC236}">
+                <a16:creationId xmlns:a16="http://schemas.microsoft.com/office/drawing/2014/main" id="{4ADB1A52-D296-C89B-F6D4-92CAFBA7A604}"/>
+              </a:ext>
+            </a:extLst>
+          </p:cNvPr>
+          <p:cNvPicPr>
+            <a:picLocks noChangeAspect="1"/>
+          </p:cNvPicPr>
+          <p:nvPr/>
+        </p:nvPicPr>
+        <p:blipFill>
+          <a:blip r:embed="rId3"/>
+          <a:stretch>
+            <a:fillRect/>
+          </a:stretch>
+        </p:blipFill>
+        <p:spPr>
+          <a:xfrm>
+            <a:off x="0" y="0"/>
+            <a:ext cx="9372600" cy="4610100"/>
+          </a:xfrm>
+          <a:prstGeom prst="rect">
+            <a:avLst/>
+          </a:prstGeom>
+        </p:spPr>
+      </p:pic>
+    </p:spTree>
+    <p:extLst>
+      <p:ext uri="{BB962C8B-B14F-4D97-AF65-F5344CB8AC3E}">
+        <p14:creationId xmlns:p14="http://schemas.microsoft.com/office/powerpoint/2010/main" val="1550047493"/>
+      </p:ext>
+    </p:extLst>
+  </p:cSld>
+  <p:clrMapOvr>
+    <a:masterClrMapping/>
+  </p:clrMapOvr>
+</p:sld>
+</file>
+
+<file path=ppt/slides/slide17.xml><?xml version="1.0" encoding="utf-8"?>
+<p:sld xmlns:a="http://schemas.openxmlformats.org/drawingml/2006/main" xmlns:r="http://schemas.openxmlformats.org/officeDocument/2006/relationships" xmlns:p="http://schemas.openxmlformats.org/presentationml/2006/main">
+  <p:cSld>
+    <p:spTree>
+      <p:nvGrpSpPr>
+        <p:cNvPr id="1" name=""/>
+        <p:cNvGrpSpPr/>
+        <p:nvPr/>
+      </p:nvGrpSpPr>
+      <p:grpSpPr>
+        <a:xfrm>
+          <a:off x="0" y="0"/>
+          <a:ext cx="0" cy="0"/>
+          <a:chOff x="0" y="0"/>
+          <a:chExt cx="0" cy="0"/>
+        </a:xfrm>
+      </p:grpSpPr>
+    </p:spTree>
+    <p:extLst>
+      <p:ext uri="{BB962C8B-B14F-4D97-AF65-F5344CB8AC3E}">
+        <p14:creationId xmlns:p14="http://schemas.microsoft.com/office/powerpoint/2010/main" val="1623461673"/>
       </p:ext>
     </p:extLst>
   </p:cSld>
@@ -9244,7 +9669,7 @@
             <a:pPr algn="ctr"/>
             <a:r>
               <a:rPr lang="en-US" altLang="ko-KR" sz="2400" b="1" dirty="0"/>
-              <a:t>YOLO</a:t>
+              <a:t>VGG</a:t>
             </a:r>
             <a:endParaRPr lang="ko-KR" altLang="en-US" sz="2400" b="1" dirty="0"/>
           </a:p>
